--- a/Loan_Defaulter_PP.pptx
+++ b/Loan_Defaulter_PP.pptx
@@ -5,10 +5,10 @@
     <p:sldMasterId id="2147483648" r:id="rId4"/>
   </p:sldMasterIdLst>
   <p:notesMasterIdLst>
-    <p:notesMasterId r:id="rId19"/>
+    <p:notesMasterId r:id="rId18"/>
   </p:notesMasterIdLst>
   <p:handoutMasterIdLst>
-    <p:handoutMasterId r:id="rId20"/>
+    <p:handoutMasterId r:id="rId19"/>
   </p:handoutMasterIdLst>
   <p:sldIdLst>
     <p:sldId id="292" r:id="rId5"/>
@@ -20,11 +20,10 @@
     <p:sldId id="299" r:id="rId11"/>
     <p:sldId id="297" r:id="rId12"/>
     <p:sldId id="293" r:id="rId13"/>
-    <p:sldId id="300" r:id="rId14"/>
-    <p:sldId id="301" r:id="rId15"/>
-    <p:sldId id="288" r:id="rId16"/>
-    <p:sldId id="302" r:id="rId17"/>
-    <p:sldId id="289" r:id="rId18"/>
+    <p:sldId id="301" r:id="rId14"/>
+    <p:sldId id="288" r:id="rId15"/>
+    <p:sldId id="302" r:id="rId16"/>
+    <p:sldId id="289" r:id="rId17"/>
   </p:sldIdLst>
   <p:sldSz cx="12192000" cy="6858000"/>
   <p:notesSz cx="6858000" cy="9144000"/>
@@ -1462,7 +1461,7 @@
           <a:p>
             <a:fld id="{017105BD-6D6F-49DB-9DE4-D4A6452D7E5F}" type="slidenum">
               <a:rPr lang="en-US" altLang="zh-CN" noProof="0" smtClean="0"/>
-              <a:t>12</a:t>
+              <a:t>11</a:t>
             </a:fld>
             <a:endParaRPr lang="en-US" altLang="zh-CN" noProof="0" dirty="0"/>
           </a:p>
@@ -1570,7 +1569,7 @@
           <a:p>
             <a:fld id="{017105BD-6D6F-49DB-9DE4-D4A6452D7E5F}" type="slidenum">
               <a:rPr lang="en-US" altLang="zh-CN" noProof="0" smtClean="0"/>
-              <a:t>14</a:t>
+              <a:t>13</a:t>
             </a:fld>
             <a:endParaRPr lang="en-US" altLang="zh-CN" noProof="0" dirty="0"/>
           </a:p>
@@ -23465,8 +23464,8 @@
         </p:nvSpPr>
         <p:spPr>
           <a:xfrm>
-            <a:off x="651157" y="636766"/>
-            <a:ext cx="4718012" cy="2721895"/>
+            <a:off x="307731" y="636767"/>
+            <a:ext cx="5061438" cy="1482180"/>
           </a:xfrm>
         </p:spPr>
         <p:txBody>
@@ -23480,41 +23479,6 @@
           </a:p>
         </p:txBody>
       </p:sp>
-      <p:pic>
-        <p:nvPicPr>
-          <p:cNvPr id="19" name="Picture 18" descr="A blue squares with black text&#10;&#10;Description automatically generated">
-            <a:extLst>
-              <a:ext uri="{FF2B5EF4-FFF2-40B4-BE49-F238E27FC236}">
-                <a16:creationId xmlns:a16="http://schemas.microsoft.com/office/drawing/2014/main" id="{981C45CE-F3AA-C9FE-DC97-584DA27536FE}"/>
-              </a:ext>
-            </a:extLst>
-          </p:cNvPr>
-          <p:cNvPicPr>
-            <a:picLocks noChangeAspect="1"/>
-          </p:cNvPicPr>
-          <p:nvPr/>
-        </p:nvPicPr>
-        <p:blipFill>
-          <a:blip r:embed="rId2"/>
-          <a:stretch>
-            <a:fillRect/>
-          </a:stretch>
-        </p:blipFill>
-        <p:spPr>
-          <a:xfrm>
-            <a:off x="5710805" y="1700252"/>
-            <a:ext cx="5978530" cy="4427009"/>
-          </a:xfrm>
-          <a:prstGeom prst="rect">
-            <a:avLst/>
-          </a:prstGeom>
-          <a:ln w="76200">
-            <a:solidFill>
-              <a:srgbClr val="AEC2D8"/>
-            </a:solidFill>
-          </a:ln>
-        </p:spPr>
-      </p:pic>
       <p:sp>
         <p:nvSpPr>
           <p:cNvPr id="21" name="TextBox 20">
@@ -23529,8 +23493,8 @@
         </p:nvSpPr>
         <p:spPr>
           <a:xfrm>
-            <a:off x="2368732" y="2708365"/>
-            <a:ext cx="3342073" cy="2062103"/>
+            <a:off x="750804" y="2708365"/>
+            <a:ext cx="4718011" cy="1569660"/>
           </a:xfrm>
           <a:prstGeom prst="rect">
             <a:avLst/>
@@ -23560,7 +23524,7 @@
                 <a:effectLst/>
                 <a:latin typeface="Söhne"/>
               </a:rPr>
-              <a:t>The accuracy for that model was </a:t>
+              <a:t>The accuracy for Logistic Regression model was </a:t>
             </a:r>
             <a:br>
               <a:rPr lang="en-US" sz="1600" dirty="0">
@@ -23591,158 +23555,12 @@
           </a:p>
         </p:txBody>
       </p:sp>
-    </p:spTree>
-    <p:extLst>
-      <p:ext uri="{BB962C8B-B14F-4D97-AF65-F5344CB8AC3E}">
-        <p14:creationId xmlns:p14="http://schemas.microsoft.com/office/powerpoint/2010/main" val="2945493222"/>
-      </p:ext>
-    </p:extLst>
-  </p:cSld>
-  <p:clrMapOvr>
-    <a:masterClrMapping/>
-  </p:clrMapOvr>
-  <p:timing>
-    <p:tnLst>
-      <p:par>
-        <p:cTn id="1" dur="indefinite" restart="never" nodeType="tmRoot">
-          <p:childTnLst>
-            <p:seq concurrent="1" nextAc="seek">
-              <p:cTn id="2" dur="indefinite" nodeType="mainSeq">
-                <p:childTnLst>
-                  <p:par>
-                    <p:cTn id="3" fill="hold">
-                      <p:stCondLst>
-                        <p:cond delay="indefinite"/>
-                      </p:stCondLst>
-                      <p:childTnLst>
-                        <p:par>
-                          <p:cTn id="4" fill="hold">
-                            <p:stCondLst>
-                              <p:cond delay="0"/>
-                            </p:stCondLst>
-                            <p:childTnLst>
-                              <p:par>
-                                <p:cTn id="5" presetID="10" presetClass="entr" presetSubtype="0" fill="hold" nodeType="clickEffect">
-                                  <p:stCondLst>
-                                    <p:cond delay="0"/>
-                                  </p:stCondLst>
-                                  <p:childTnLst>
-                                    <p:set>
-                                      <p:cBhvr>
-                                        <p:cTn id="6" dur="1" fill="hold">
-                                          <p:stCondLst>
-                                            <p:cond delay="0"/>
-                                          </p:stCondLst>
-                                        </p:cTn>
-                                        <p:tgtEl>
-                                          <p:spTgt spid="19"/>
-                                        </p:tgtEl>
-                                        <p:attrNameLst>
-                                          <p:attrName>style.visibility</p:attrName>
-                                        </p:attrNameLst>
-                                      </p:cBhvr>
-                                      <p:to>
-                                        <p:strVal val="visible"/>
-                                      </p:to>
-                                    </p:set>
-                                    <p:animEffect transition="in" filter="fade">
-                                      <p:cBhvr>
-                                        <p:cTn id="7" dur="500"/>
-                                        <p:tgtEl>
-                                          <p:spTgt spid="19"/>
-                                        </p:tgtEl>
-                                      </p:cBhvr>
-                                    </p:animEffect>
-                                  </p:childTnLst>
-                                </p:cTn>
-                              </p:par>
-                            </p:childTnLst>
-                          </p:cTn>
-                        </p:par>
-                      </p:childTnLst>
-                    </p:cTn>
-                  </p:par>
-                </p:childTnLst>
-              </p:cTn>
-              <p:prevCondLst>
-                <p:cond evt="onPrev" delay="0">
-                  <p:tgtEl>
-                    <p:sldTgt/>
-                  </p:tgtEl>
-                </p:cond>
-              </p:prevCondLst>
-              <p:nextCondLst>
-                <p:cond evt="onNext" delay="0">
-                  <p:tgtEl>
-                    <p:sldTgt/>
-                  </p:tgtEl>
-                </p:cond>
-              </p:nextCondLst>
-            </p:seq>
-          </p:childTnLst>
-        </p:cTn>
-      </p:par>
-    </p:tnLst>
-  </p:timing>
-</p:sld>
-</file>
-
-<file path=ppt/slides/slide11.xml><?xml version="1.0" encoding="utf-8"?>
-<p:sld xmlns:a="http://schemas.openxmlformats.org/drawingml/2006/main" xmlns:r="http://schemas.openxmlformats.org/officeDocument/2006/relationships" xmlns:p="http://schemas.openxmlformats.org/presentationml/2006/main">
-  <p:cSld>
-    <p:spTree>
-      <p:nvGrpSpPr>
-        <p:cNvPr id="1" name=""/>
-        <p:cNvGrpSpPr/>
-        <p:nvPr/>
-      </p:nvGrpSpPr>
-      <p:grpSpPr>
-        <a:xfrm>
-          <a:off x="0" y="0"/>
-          <a:ext cx="0" cy="0"/>
-          <a:chOff x="0" y="0"/>
-          <a:chExt cx="0" cy="0"/>
-        </a:xfrm>
-      </p:grpSpPr>
-      <p:sp>
-        <p:nvSpPr>
-          <p:cNvPr id="8" name="Title 7">
-            <a:extLst>
-              <a:ext uri="{FF2B5EF4-FFF2-40B4-BE49-F238E27FC236}">
-                <a16:creationId xmlns:a16="http://schemas.microsoft.com/office/drawing/2014/main" id="{44B03DE5-5A80-0135-7317-AD2A6BBF8F7F}"/>
-              </a:ext>
-            </a:extLst>
-          </p:cNvPr>
-          <p:cNvSpPr>
-            <a:spLocks noGrp="1"/>
-          </p:cNvSpPr>
-          <p:nvPr>
-            <p:ph type="title"/>
-          </p:nvPr>
-        </p:nvSpPr>
-        <p:spPr>
-          <a:xfrm>
-            <a:off x="651157" y="636766"/>
-            <a:ext cx="4718012" cy="2721895"/>
-          </a:xfrm>
-        </p:spPr>
-        <p:txBody>
-          <a:bodyPr/>
-          <a:lstStyle/>
-          <a:p>
-            <a:r>
-              <a:rPr lang="en-US" dirty="0"/>
-              <a:t>Machine Learning: Models</a:t>
-            </a:r>
-          </a:p>
-        </p:txBody>
-      </p:sp>
       <p:pic>
         <p:nvPicPr>
-          <p:cNvPr id="19" name="Picture 18">
+          <p:cNvPr id="3" name="Picture 2">
             <a:extLst>
               <a:ext uri="{FF2B5EF4-FFF2-40B4-BE49-F238E27FC236}">
-                <a16:creationId xmlns:a16="http://schemas.microsoft.com/office/drawing/2014/main" id="{981C45CE-F3AA-C9FE-DC97-584DA27536FE}"/>
+                <a16:creationId xmlns:a16="http://schemas.microsoft.com/office/drawing/2014/main" id="{E2EA98E7-C219-CDF3-3422-7457C7D5B2F1}"/>
               </a:ext>
             </a:extLst>
           </p:cNvPr>
@@ -23753,100 +23571,20 @@
         </p:nvPicPr>
         <p:blipFill>
           <a:blip r:embed="rId2"/>
-          <a:srcRect/>
-          <a:stretch/>
+          <a:stretch>
+            <a:fillRect/>
+          </a:stretch>
         </p:blipFill>
         <p:spPr>
           <a:xfrm>
-            <a:off x="5710805" y="1700252"/>
-            <a:ext cx="5830038" cy="4610986"/>
-          </a:xfrm>
-          <a:prstGeom prst="rect">
-            <a:avLst/>
-          </a:prstGeom>
-          <a:ln w="76200">
-            <a:solidFill>
-              <a:srgbClr val="AEC2D8"/>
-            </a:solidFill>
-          </a:ln>
-        </p:spPr>
-      </p:pic>
-      <p:sp>
-        <p:nvSpPr>
-          <p:cNvPr id="21" name="TextBox 20">
-            <a:extLst>
-              <a:ext uri="{FF2B5EF4-FFF2-40B4-BE49-F238E27FC236}">
-                <a16:creationId xmlns:a16="http://schemas.microsoft.com/office/drawing/2014/main" id="{53A82E33-1BBF-3C04-F1E7-6C4A5F1C13E7}"/>
-              </a:ext>
-            </a:extLst>
-          </p:cNvPr>
-          <p:cNvSpPr txBox="1"/>
-          <p:nvPr/>
-        </p:nvSpPr>
-        <p:spPr>
-          <a:xfrm>
-            <a:off x="2368732" y="2708365"/>
-            <a:ext cx="3342073" cy="2062103"/>
+            <a:off x="5710805" y="1343025"/>
+            <a:ext cx="5934075" cy="4171950"/>
           </a:xfrm>
           <a:prstGeom prst="rect">
             <a:avLst/>
           </a:prstGeom>
         </p:spPr>
-        <p:txBody>
-          <a:bodyPr wrap="square" rtlCol="0">
-            <a:spAutoFit/>
-          </a:bodyPr>
-          <a:lstStyle/>
-          <a:p>
-            <a:pPr marL="0" indent="0">
-              <a:lnSpc>
-                <a:spcPct val="100000"/>
-              </a:lnSpc>
-              <a:spcBef>
-                <a:spcPts val="0"/>
-              </a:spcBef>
-              <a:buFontTx/>
-              <a:buNone/>
-            </a:pPr>
-            <a:r>
-              <a:rPr lang="en-US" sz="1600" b="0" i="0" dirty="0">
-                <a:solidFill>
-                  <a:schemeClr val="bg1"/>
-                </a:solidFill>
-                <a:effectLst/>
-                <a:latin typeface="Söhne"/>
-              </a:rPr>
-              <a:t>The accuracy for that model was </a:t>
-            </a:r>
-            <a:br>
-              <a:rPr lang="en-US" sz="1600" dirty="0">
-                <a:solidFill>
-                  <a:schemeClr val="bg1"/>
-                </a:solidFill>
-                <a:latin typeface="Söhne"/>
-              </a:rPr>
-            </a:br>
-            <a:r>
-              <a:rPr lang="en-US" sz="1600" b="0" i="0" dirty="0">
-                <a:solidFill>
-                  <a:schemeClr val="bg1"/>
-                </a:solidFill>
-                <a:effectLst/>
-                <a:latin typeface="Söhne"/>
-              </a:rPr>
-              <a:t>approximately 71.88%. As for the precision, it reached 71.93%, and the recall score was 99.57%. When we used the random forest model, its accuracy level reached 73.26%. The precision level reached 75.96%, and the recall level reached 91.65%</a:t>
-            </a:r>
-            <a:endParaRPr lang="en-US" sz="1600" dirty="0">
-              <a:solidFill>
-                <a:schemeClr val="bg1"/>
-              </a:solidFill>
-              <a:latin typeface="Söhne"/>
-              <a:ea typeface="微软雅黑"/>
-              <a:cs typeface="Posterama" panose="020B0504020200020000" pitchFamily="34" charset="0"/>
-            </a:endParaRPr>
-          </a:p>
-        </p:txBody>
-      </p:sp>
+      </p:pic>
     </p:spTree>
     <p:extLst>
       <p:ext uri="{BB962C8B-B14F-4D97-AF65-F5344CB8AC3E}">
@@ -23860,7 +23598,7 @@
 </p:sld>
 </file>
 
-<file path=ppt/slides/slide12.xml><?xml version="1.0" encoding="utf-8"?>
+<file path=ppt/slides/slide11.xml><?xml version="1.0" encoding="utf-8"?>
 <p:sld xmlns:a="http://schemas.openxmlformats.org/drawingml/2006/main" xmlns:r="http://schemas.openxmlformats.org/officeDocument/2006/relationships" xmlns:p="http://schemas.openxmlformats.org/presentationml/2006/main">
   <p:cSld>
     <p:spTree>
@@ -24471,7 +24209,7 @@
                 <a:tabLst/>
                 <a:defRPr/>
               </a:pPr>
-              <a:t>12</a:t>
+              <a:t>11</a:t>
             </a:fld>
             <a:endParaRPr kumimoji="0" lang="en-US" altLang="zh-CN" sz="1200" u="none" strike="noStrike" kern="1200" cap="none" spc="0" normalizeH="0" baseline="0" dirty="0">
               <a:ln>
@@ -24500,7 +24238,7 @@
 </p:sld>
 </file>
 
-<file path=ppt/slides/slide13.xml><?xml version="1.0" encoding="utf-8"?>
+<file path=ppt/slides/slide12.xml><?xml version="1.0" encoding="utf-8"?>
 <p:sld xmlns:a="http://schemas.openxmlformats.org/drawingml/2006/main" xmlns:r="http://schemas.openxmlformats.org/officeDocument/2006/relationships" xmlns:p="http://schemas.openxmlformats.org/presentationml/2006/main">
   <p:cSld>
     <p:bg>
@@ -24603,7 +24341,7 @@
 </p:sld>
 </file>
 
-<file path=ppt/slides/slide14.xml><?xml version="1.0" encoding="utf-8"?>
+<file path=ppt/slides/slide13.xml><?xml version="1.0" encoding="utf-8"?>
 <p:sld xmlns:a="http://schemas.openxmlformats.org/drawingml/2006/main" xmlns:r="http://schemas.openxmlformats.org/officeDocument/2006/relationships" xmlns:p="http://schemas.openxmlformats.org/presentationml/2006/main">
   <p:cSld>
     <p:spTree>

--- a/Loan_Defaulter_PP.pptx
+++ b/Loan_Defaulter_PP.pptx
@@ -5,10 +5,10 @@
     <p:sldMasterId id="2147483648" r:id="rId4"/>
   </p:sldMasterIdLst>
   <p:notesMasterIdLst>
-    <p:notesMasterId r:id="rId19"/>
+    <p:notesMasterId r:id="rId18"/>
   </p:notesMasterIdLst>
   <p:handoutMasterIdLst>
-    <p:handoutMasterId r:id="rId20"/>
+    <p:handoutMasterId r:id="rId19"/>
   </p:handoutMasterIdLst>
   <p:sldIdLst>
     <p:sldId id="292" r:id="rId5"/>
@@ -21,10 +21,9 @@
     <p:sldId id="297" r:id="rId12"/>
     <p:sldId id="293" r:id="rId13"/>
     <p:sldId id="300" r:id="rId14"/>
-    <p:sldId id="301" r:id="rId15"/>
-    <p:sldId id="288" r:id="rId16"/>
-    <p:sldId id="302" r:id="rId17"/>
-    <p:sldId id="289" r:id="rId18"/>
+    <p:sldId id="288" r:id="rId15"/>
+    <p:sldId id="302" r:id="rId16"/>
+    <p:sldId id="289" r:id="rId17"/>
   </p:sldIdLst>
   <p:sldSz cx="12192000" cy="6858000"/>
   <p:notesSz cx="6858000" cy="9144000"/>
@@ -245,7 +244,7 @@
           <a:p>
             <a:fld id="{8CD26A2A-0A96-0647-84E5-C82F2EFD9474}" type="datetimeFigureOut">
               <a:rPr lang="en-US" smtClean="0"/>
-              <a:t>3/10/2024</a:t>
+              <a:t>3/11/2024</a:t>
             </a:fld>
             <a:endParaRPr lang="en-US" dirty="0"/>
           </a:p>
@@ -434,7 +433,7 @@
           <a:p>
             <a:fld id="{546253B2-FD87-4AAE-AF69-14FE02FB4D05}" type="datetimeFigureOut">
               <a:rPr lang="en-US" smtClean="0"/>
-              <a:t>3/10/2024</a:t>
+              <a:t>3/11/2024</a:t>
             </a:fld>
             <a:endParaRPr lang="en-US"/>
           </a:p>
@@ -1462,7 +1461,7 @@
           <a:p>
             <a:fld id="{017105BD-6D6F-49DB-9DE4-D4A6452D7E5F}" type="slidenum">
               <a:rPr lang="en-US" altLang="zh-CN" noProof="0" smtClean="0"/>
-              <a:t>12</a:t>
+              <a:t>11</a:t>
             </a:fld>
             <a:endParaRPr lang="en-US" altLang="zh-CN" noProof="0" dirty="0"/>
           </a:p>
@@ -1570,7 +1569,7 @@
           <a:p>
             <a:fld id="{017105BD-6D6F-49DB-9DE4-D4A6452D7E5F}" type="slidenum">
               <a:rPr lang="en-US" altLang="zh-CN" noProof="0" smtClean="0"/>
-              <a:t>14</a:t>
+              <a:t>13</a:t>
             </a:fld>
             <a:endParaRPr lang="en-US" altLang="zh-CN" noProof="0" dirty="0"/>
           </a:p>
@@ -23706,179 +23705,6 @@
       </p:grpSpPr>
       <p:sp>
         <p:nvSpPr>
-          <p:cNvPr id="8" name="Title 7">
-            <a:extLst>
-              <a:ext uri="{FF2B5EF4-FFF2-40B4-BE49-F238E27FC236}">
-                <a16:creationId xmlns:a16="http://schemas.microsoft.com/office/drawing/2014/main" id="{44B03DE5-5A80-0135-7317-AD2A6BBF8F7F}"/>
-              </a:ext>
-            </a:extLst>
-          </p:cNvPr>
-          <p:cNvSpPr>
-            <a:spLocks noGrp="1"/>
-          </p:cNvSpPr>
-          <p:nvPr>
-            <p:ph type="title"/>
-          </p:nvPr>
-        </p:nvSpPr>
-        <p:spPr>
-          <a:xfrm>
-            <a:off x="651157" y="636766"/>
-            <a:ext cx="4718012" cy="2721895"/>
-          </a:xfrm>
-        </p:spPr>
-        <p:txBody>
-          <a:bodyPr/>
-          <a:lstStyle/>
-          <a:p>
-            <a:r>
-              <a:rPr lang="en-US" dirty="0"/>
-              <a:t>Machine Learning: Models</a:t>
-            </a:r>
-          </a:p>
-        </p:txBody>
-      </p:sp>
-      <p:pic>
-        <p:nvPicPr>
-          <p:cNvPr id="19" name="Picture 18">
-            <a:extLst>
-              <a:ext uri="{FF2B5EF4-FFF2-40B4-BE49-F238E27FC236}">
-                <a16:creationId xmlns:a16="http://schemas.microsoft.com/office/drawing/2014/main" id="{981C45CE-F3AA-C9FE-DC97-584DA27536FE}"/>
-              </a:ext>
-            </a:extLst>
-          </p:cNvPr>
-          <p:cNvPicPr>
-            <a:picLocks noChangeAspect="1"/>
-          </p:cNvPicPr>
-          <p:nvPr/>
-        </p:nvPicPr>
-        <p:blipFill>
-          <a:blip r:embed="rId2"/>
-          <a:srcRect/>
-          <a:stretch/>
-        </p:blipFill>
-        <p:spPr>
-          <a:xfrm>
-            <a:off x="5710805" y="1700252"/>
-            <a:ext cx="5830038" cy="4610986"/>
-          </a:xfrm>
-          <a:prstGeom prst="rect">
-            <a:avLst/>
-          </a:prstGeom>
-          <a:ln w="76200">
-            <a:solidFill>
-              <a:srgbClr val="AEC2D8"/>
-            </a:solidFill>
-          </a:ln>
-        </p:spPr>
-      </p:pic>
-      <p:sp>
-        <p:nvSpPr>
-          <p:cNvPr id="21" name="TextBox 20">
-            <a:extLst>
-              <a:ext uri="{FF2B5EF4-FFF2-40B4-BE49-F238E27FC236}">
-                <a16:creationId xmlns:a16="http://schemas.microsoft.com/office/drawing/2014/main" id="{53A82E33-1BBF-3C04-F1E7-6C4A5F1C13E7}"/>
-              </a:ext>
-            </a:extLst>
-          </p:cNvPr>
-          <p:cNvSpPr txBox="1"/>
-          <p:nvPr/>
-        </p:nvSpPr>
-        <p:spPr>
-          <a:xfrm>
-            <a:off x="2368732" y="2708365"/>
-            <a:ext cx="3342073" cy="2062103"/>
-          </a:xfrm>
-          <a:prstGeom prst="rect">
-            <a:avLst/>
-          </a:prstGeom>
-        </p:spPr>
-        <p:txBody>
-          <a:bodyPr wrap="square" rtlCol="0">
-            <a:spAutoFit/>
-          </a:bodyPr>
-          <a:lstStyle/>
-          <a:p>
-            <a:pPr marL="0" indent="0">
-              <a:lnSpc>
-                <a:spcPct val="100000"/>
-              </a:lnSpc>
-              <a:spcBef>
-                <a:spcPts val="0"/>
-              </a:spcBef>
-              <a:buFontTx/>
-              <a:buNone/>
-            </a:pPr>
-            <a:r>
-              <a:rPr lang="en-US" sz="1600" b="0" i="0" dirty="0">
-                <a:solidFill>
-                  <a:schemeClr val="bg1"/>
-                </a:solidFill>
-                <a:effectLst/>
-                <a:latin typeface="Söhne"/>
-              </a:rPr>
-              <a:t>The accuracy for that model was </a:t>
-            </a:r>
-            <a:br>
-              <a:rPr lang="en-US" sz="1600" dirty="0">
-                <a:solidFill>
-                  <a:schemeClr val="bg1"/>
-                </a:solidFill>
-                <a:latin typeface="Söhne"/>
-              </a:rPr>
-            </a:br>
-            <a:r>
-              <a:rPr lang="en-US" sz="1600" b="0" i="0" dirty="0">
-                <a:solidFill>
-                  <a:schemeClr val="bg1"/>
-                </a:solidFill>
-                <a:effectLst/>
-                <a:latin typeface="Söhne"/>
-              </a:rPr>
-              <a:t>approximately 71.88%. As for the precision, it reached 71.93%, and the recall score was 99.57%. When we used the random forest model, its accuracy level reached 73.26%. The precision level reached 75.96%, and the recall level reached 91.65%</a:t>
-            </a:r>
-            <a:endParaRPr lang="en-US" sz="1600" dirty="0">
-              <a:solidFill>
-                <a:schemeClr val="bg1"/>
-              </a:solidFill>
-              <a:latin typeface="Söhne"/>
-              <a:ea typeface="微软雅黑"/>
-              <a:cs typeface="Posterama" panose="020B0504020200020000" pitchFamily="34" charset="0"/>
-            </a:endParaRPr>
-          </a:p>
-        </p:txBody>
-      </p:sp>
-    </p:spTree>
-    <p:extLst>
-      <p:ext uri="{BB962C8B-B14F-4D97-AF65-F5344CB8AC3E}">
-        <p14:creationId xmlns:p14="http://schemas.microsoft.com/office/powerpoint/2010/main" val="2575478922"/>
-      </p:ext>
-    </p:extLst>
-  </p:cSld>
-  <p:clrMapOvr>
-    <a:masterClrMapping/>
-  </p:clrMapOvr>
-</p:sld>
-</file>
-
-<file path=ppt/slides/slide12.xml><?xml version="1.0" encoding="utf-8"?>
-<p:sld xmlns:a="http://schemas.openxmlformats.org/drawingml/2006/main" xmlns:r="http://schemas.openxmlformats.org/officeDocument/2006/relationships" xmlns:p="http://schemas.openxmlformats.org/presentationml/2006/main">
-  <p:cSld>
-    <p:spTree>
-      <p:nvGrpSpPr>
-        <p:cNvPr id="1" name=""/>
-        <p:cNvGrpSpPr/>
-        <p:nvPr/>
-      </p:nvGrpSpPr>
-      <p:grpSpPr>
-        <a:xfrm>
-          <a:off x="0" y="0"/>
-          <a:ext cx="0" cy="0"/>
-          <a:chOff x="0" y="0"/>
-          <a:chExt cx="0" cy="0"/>
-        </a:xfrm>
-      </p:grpSpPr>
-      <p:sp>
-        <p:nvSpPr>
           <p:cNvPr id="6" name="Title 5">
             <a:extLst>
               <a:ext uri="{FF2B5EF4-FFF2-40B4-BE49-F238E27FC236}">
@@ -24471,7 +24297,7 @@
                 <a:tabLst/>
                 <a:defRPr/>
               </a:pPr>
-              <a:t>12</a:t>
+              <a:t>11</a:t>
             </a:fld>
             <a:endParaRPr kumimoji="0" lang="en-US" altLang="zh-CN" sz="1200" u="none" strike="noStrike" kern="1200" cap="none" spc="0" normalizeH="0" baseline="0" dirty="0">
               <a:ln>
@@ -24500,7 +24326,7 @@
 </p:sld>
 </file>
 
-<file path=ppt/slides/slide13.xml><?xml version="1.0" encoding="utf-8"?>
+<file path=ppt/slides/slide12.xml><?xml version="1.0" encoding="utf-8"?>
 <p:sld xmlns:a="http://schemas.openxmlformats.org/drawingml/2006/main" xmlns:r="http://schemas.openxmlformats.org/officeDocument/2006/relationships" xmlns:p="http://schemas.openxmlformats.org/presentationml/2006/main">
   <p:cSld>
     <p:bg>
@@ -24603,7 +24429,7 @@
 </p:sld>
 </file>
 
-<file path=ppt/slides/slide14.xml><?xml version="1.0" encoding="utf-8"?>
+<file path=ppt/slides/slide13.xml><?xml version="1.0" encoding="utf-8"?>
 <p:sld xmlns:a="http://schemas.openxmlformats.org/drawingml/2006/main" xmlns:r="http://schemas.openxmlformats.org/officeDocument/2006/relationships" xmlns:p="http://schemas.openxmlformats.org/presentationml/2006/main">
   <p:cSld>
     <p:spTree>
@@ -24862,7 +24688,7 @@
           <a:p>
             <a:r>
               <a:rPr lang="en-US" dirty="0"/>
-              <a:t>Introduction</a:t>
+              <a:t>1. Introduction</a:t>
             </a:r>
           </a:p>
         </p:txBody>
@@ -24890,7 +24716,7 @@
           <a:p>
             <a:r>
               <a:rPr lang="en-US" dirty="0"/>
-              <a:t>Default Factors </a:t>
+              <a:t>2. Default Factors </a:t>
             </a:r>
           </a:p>
         </p:txBody>
@@ -24918,7 +24744,7 @@
           <a:p>
             <a:r>
               <a:rPr lang="en-US" dirty="0"/>
-              <a:t>Machine Learning</a:t>
+              <a:t>3. Machine Learning</a:t>
             </a:r>
           </a:p>
         </p:txBody>
@@ -24946,7 +24772,7 @@
           <a:p>
             <a:r>
               <a:rPr lang="en-US" dirty="0"/>
-              <a:t>Summary</a:t>
+              <a:t>4. Summary</a:t>
             </a:r>
           </a:p>
         </p:txBody>
@@ -24974,7 +24800,7 @@
           <a:p>
             <a:r>
               <a:rPr lang="en-US" dirty="0"/>
-              <a:t>Conclusion</a:t>
+              <a:t>5. Conclusion</a:t>
             </a:r>
           </a:p>
         </p:txBody>
@@ -27110,8 +26936,8 @@
           <a:chExt cx="0" cy="0"/>
         </a:xfrm>
       </p:grpSpPr>
-      <mc:AlternateContent xmlns:mc="http://schemas.openxmlformats.org/markup-compatibility/2006">
-        <mc:Choice xmlns:we="http://schemas.microsoft.com/office/webextensions/webextension/2010/11" xmlns:pca="http://schemas.microsoft.com/office/powerpoint/2013/contentapp" Requires="we pca">
+      <mc:AlternateContent xmlns:mc="http://schemas.openxmlformats.org/markup-compatibility/2006" xmlns:we="http://schemas.microsoft.com/office/webextensions/webextension/2010/11" xmlns:pca="http://schemas.microsoft.com/office/powerpoint/2013/contentapp">
+        <mc:Choice Requires="we pca">
           <p:graphicFrame>
             <p:nvGraphicFramePr>
               <p:cNvPr id="8" name="Add-in 7">
@@ -27143,7 +26969,7 @@
             </a:graphic>
           </p:graphicFrame>
         </mc:Choice>
-        <mc:Fallback>
+        <mc:Fallback xmlns="">
           <p:pic>
             <p:nvPicPr>
               <p:cNvPr id="8" name="Add-in 7">
@@ -28369,6 +28195,35 @@
 </file>
 
 <file path=customXml/item1.xml><?xml version="1.0" encoding="utf-8"?>
+<p:properties xmlns:p="http://schemas.microsoft.com/office/2006/metadata/properties" xmlns:xsi="http://www.w3.org/2001/XMLSchema-instance" xmlns:pc="http://schemas.microsoft.com/office/infopath/2007/PartnerControls">
+  <documentManagement>
+    <_ip_UnifiedCompliancePolicyUIAction xmlns="http://schemas.microsoft.com/sharepoint/v3" xsi:nil="true"/>
+    <Image xmlns="71af3243-3dd4-4a8d-8c0d-dd76da1f02a5">
+      <Url xsi:nil="true"/>
+      <Description xsi:nil="true"/>
+    </Image>
+    <Status xmlns="71af3243-3dd4-4a8d-8c0d-dd76da1f02a5">Not started</Status>
+    <Background xmlns="71af3243-3dd4-4a8d-8c0d-dd76da1f02a5">false</Background>
+    <_ip_UnifiedCompliancePolicyProperties xmlns="http://schemas.microsoft.com/sharepoint/v3" xsi:nil="true"/>
+    <ImageTagsTaxHTField xmlns="71af3243-3dd4-4a8d-8c0d-dd76da1f02a5">
+      <Terms xmlns="http://schemas.microsoft.com/office/infopath/2007/PartnerControls"/>
+    </ImageTagsTaxHTField>
+    <TaxCatchAll xmlns="230e9df3-be65-4c73-a93b-d1236ebd677e" xsi:nil="true"/>
+    <MediaServiceKeyPoints xmlns="71af3243-3dd4-4a8d-8c0d-dd76da1f02a5" xsi:nil="true"/>
+  </documentManagement>
+</p:properties>
+</file>
+
+<file path=customXml/item2.xml><?xml version="1.0" encoding="utf-8"?>
+<?mso-contentType ?>
+<FormTemplates xmlns="http://schemas.microsoft.com/sharepoint/v3/contenttype/forms">
+  <Display>DocumentLibraryForm</Display>
+  <Edit>DocumentLibraryForm</Edit>
+  <New>DocumentLibraryForm</New>
+</FormTemplates>
+</file>
+
+<file path=customXml/item3.xml><?xml version="1.0" encoding="utf-8"?>
 <ct:contentTypeSchema xmlns:ct="http://schemas.microsoft.com/office/2006/metadata/contentType" xmlns:ma="http://schemas.microsoft.com/office/2006/metadata/properties/metaAttributes" ct:_="" ma:_="" ma:contentTypeName="Document" ma:contentTypeID="0x01010079F111ED35F8CC479449609E8A0923A6" ma:contentTypeVersion="28" ma:contentTypeDescription="Create a new document." ma:contentTypeScope="" ma:versionID="60f5a4f2d2b0abadcf532d48ebf9cb71">
   <xsd:schema xmlns:xsd="http://www.w3.org/2001/XMLSchema" xmlns:xs="http://www.w3.org/2001/XMLSchema" xmlns:p="http://schemas.microsoft.com/office/2006/metadata/properties" xmlns:ns1="http://schemas.microsoft.com/sharepoint/v3" xmlns:ns2="71af3243-3dd4-4a8d-8c0d-dd76da1f02a5" xmlns:ns3="16c05727-aa75-4e4a-9b5f-8a80a1165891" xmlns:ns4="230e9df3-be65-4c73-a93b-d1236ebd677e" targetNamespace="http://schemas.microsoft.com/office/2006/metadata/properties" ma:root="true" ma:fieldsID="7dd78129e6a1811f84807ad11c651531" ns1:_="" ns2:_="" ns3:_="" ns4:_="">
     <xsd:import namespace="http://schemas.microsoft.com/sharepoint/v3"/>
@@ -28680,36 +28535,27 @@
 </ct:contentTypeSchema>
 </file>
 
-<file path=customXml/item2.xml><?xml version="1.0" encoding="utf-8"?>
-<?mso-contentType ?>
-<FormTemplates xmlns="http://schemas.microsoft.com/sharepoint/v3/contenttype/forms">
-  <Display>DocumentLibraryForm</Display>
-  <Edit>DocumentLibraryForm</Edit>
-  <New>DocumentLibraryForm</New>
-</FormTemplates>
+<file path=customXml/itemProps1.xml><?xml version="1.0" encoding="utf-8"?>
+<ds:datastoreItem xmlns:ds="http://schemas.openxmlformats.org/officeDocument/2006/customXml" ds:itemID="{F4D5854E-F453-4846-A87D-6EF3DCF73E3E}">
+  <ds:schemaRefs>
+    <ds:schemaRef ds:uri="http://schemas.microsoft.com/office/2006/metadata/properties"/>
+    <ds:schemaRef ds:uri="http://schemas.microsoft.com/office/infopath/2007/PartnerControls"/>
+    <ds:schemaRef ds:uri="http://schemas.microsoft.com/sharepoint/v3"/>
+    <ds:schemaRef ds:uri="71af3243-3dd4-4a8d-8c0d-dd76da1f02a5"/>
+    <ds:schemaRef ds:uri="230e9df3-be65-4c73-a93b-d1236ebd677e"/>
+  </ds:schemaRefs>
+</ds:datastoreItem>
 </file>
 
-<file path=customXml/item3.xml><?xml version="1.0" encoding="utf-8"?>
-<p:properties xmlns:p="http://schemas.microsoft.com/office/2006/metadata/properties" xmlns:xsi="http://www.w3.org/2001/XMLSchema-instance" xmlns:pc="http://schemas.microsoft.com/office/infopath/2007/PartnerControls">
-  <documentManagement>
-    <_ip_UnifiedCompliancePolicyUIAction xmlns="http://schemas.microsoft.com/sharepoint/v3" xsi:nil="true"/>
-    <Image xmlns="71af3243-3dd4-4a8d-8c0d-dd76da1f02a5">
-      <Url xsi:nil="true"/>
-      <Description xsi:nil="true"/>
-    </Image>
-    <Status xmlns="71af3243-3dd4-4a8d-8c0d-dd76da1f02a5">Not started</Status>
-    <Background xmlns="71af3243-3dd4-4a8d-8c0d-dd76da1f02a5">false</Background>
-    <_ip_UnifiedCompliancePolicyProperties xmlns="http://schemas.microsoft.com/sharepoint/v3" xsi:nil="true"/>
-    <ImageTagsTaxHTField xmlns="71af3243-3dd4-4a8d-8c0d-dd76da1f02a5">
-      <Terms xmlns="http://schemas.microsoft.com/office/infopath/2007/PartnerControls"/>
-    </ImageTagsTaxHTField>
-    <TaxCatchAll xmlns="230e9df3-be65-4c73-a93b-d1236ebd677e" xsi:nil="true"/>
-    <MediaServiceKeyPoints xmlns="71af3243-3dd4-4a8d-8c0d-dd76da1f02a5" xsi:nil="true"/>
-  </documentManagement>
-</p:properties>
+<file path=customXml/itemProps2.xml><?xml version="1.0" encoding="utf-8"?>
+<ds:datastoreItem xmlns:ds="http://schemas.openxmlformats.org/officeDocument/2006/customXml" ds:itemID="{F8C25491-3B09-4F3E-8C86-936D290E4013}">
+  <ds:schemaRefs>
+    <ds:schemaRef ds:uri="http://schemas.microsoft.com/sharepoint/v3/contenttype/forms"/>
+  </ds:schemaRefs>
+</ds:datastoreItem>
 </file>
 
-<file path=customXml/itemProps1.xml><?xml version="1.0" encoding="utf-8"?>
+<file path=customXml/itemProps3.xml><?xml version="1.0" encoding="utf-8"?>
 <ds:datastoreItem xmlns:ds="http://schemas.openxmlformats.org/officeDocument/2006/customXml" ds:itemID="{337AE0CD-4570-4F66-89CD-DDD19F091E8D}">
   <ds:schemaRefs>
     <ds:schemaRef ds:uri="http://schemas.microsoft.com/office/2006/metadata/contentType"/>
@@ -28730,26 +28576,6 @@
 </ds:datastoreItem>
 </file>
 
-<file path=customXml/itemProps2.xml><?xml version="1.0" encoding="utf-8"?>
-<ds:datastoreItem xmlns:ds="http://schemas.openxmlformats.org/officeDocument/2006/customXml" ds:itemID="{F8C25491-3B09-4F3E-8C86-936D290E4013}">
-  <ds:schemaRefs>
-    <ds:schemaRef ds:uri="http://schemas.microsoft.com/sharepoint/v3/contenttype/forms"/>
-  </ds:schemaRefs>
-</ds:datastoreItem>
-</file>
-
-<file path=customXml/itemProps3.xml><?xml version="1.0" encoding="utf-8"?>
-<ds:datastoreItem xmlns:ds="http://schemas.openxmlformats.org/officeDocument/2006/customXml" ds:itemID="{F4D5854E-F453-4846-A87D-6EF3DCF73E3E}">
-  <ds:schemaRefs>
-    <ds:schemaRef ds:uri="http://schemas.microsoft.com/office/2006/metadata/properties"/>
-    <ds:schemaRef ds:uri="http://schemas.microsoft.com/office/infopath/2007/PartnerControls"/>
-    <ds:schemaRef ds:uri="http://schemas.microsoft.com/sharepoint/v3"/>
-    <ds:schemaRef ds:uri="71af3243-3dd4-4a8d-8c0d-dd76da1f02a5"/>
-    <ds:schemaRef ds:uri="230e9df3-be65-4c73-a93b-d1236ebd677e"/>
-  </ds:schemaRefs>
-</ds:datastoreItem>
-</file>
-
 <file path=docMetadata/LabelInfo.xml><?xml version="1.0" encoding="utf-8"?>
 <clbl:labelList xmlns:clbl="http://schemas.microsoft.com/office/2020/mipLabelMetadata"/>
 </file>
--- a/Loan_Defaulter_PP.pptx
+++ b/Loan_Defaulter_PP.pptx
@@ -5,10 +5,10 @@
     <p:sldMasterId id="2147483648" r:id="rId4"/>
   </p:sldMasterIdLst>
   <p:notesMasterIdLst>
-    <p:notesMasterId r:id="rId18"/>
+    <p:notesMasterId r:id="rId19"/>
   </p:notesMasterIdLst>
   <p:handoutMasterIdLst>
-    <p:handoutMasterId r:id="rId19"/>
+    <p:handoutMasterId r:id="rId20"/>
   </p:handoutMasterIdLst>
   <p:sldIdLst>
     <p:sldId id="292" r:id="rId5"/>
@@ -21,9 +21,10 @@
     <p:sldId id="297" r:id="rId12"/>
     <p:sldId id="293" r:id="rId13"/>
     <p:sldId id="300" r:id="rId14"/>
-    <p:sldId id="288" r:id="rId15"/>
-    <p:sldId id="302" r:id="rId16"/>
-    <p:sldId id="289" r:id="rId17"/>
+    <p:sldId id="301" r:id="rId15"/>
+    <p:sldId id="288" r:id="rId16"/>
+    <p:sldId id="302" r:id="rId17"/>
+    <p:sldId id="289" r:id="rId18"/>
   </p:sldIdLst>
   <p:sldSz cx="12192000" cy="6858000"/>
   <p:notesSz cx="6858000" cy="9144000"/>
@@ -244,7 +245,7 @@
           <a:p>
             <a:fld id="{8CD26A2A-0A96-0647-84E5-C82F2EFD9474}" type="datetimeFigureOut">
               <a:rPr lang="en-US" smtClean="0"/>
-              <a:t>3/11/2024</a:t>
+              <a:t>3/10/2024</a:t>
             </a:fld>
             <a:endParaRPr lang="en-US" dirty="0"/>
           </a:p>
@@ -433,7 +434,7 @@
           <a:p>
             <a:fld id="{546253B2-FD87-4AAE-AF69-14FE02FB4D05}" type="datetimeFigureOut">
               <a:rPr lang="en-US" smtClean="0"/>
-              <a:t>3/11/2024</a:t>
+              <a:t>3/10/2024</a:t>
             </a:fld>
             <a:endParaRPr lang="en-US"/>
           </a:p>
@@ -1461,7 +1462,7 @@
           <a:p>
             <a:fld id="{017105BD-6D6F-49DB-9DE4-D4A6452D7E5F}" type="slidenum">
               <a:rPr lang="en-US" altLang="zh-CN" noProof="0" smtClean="0"/>
-              <a:t>11</a:t>
+              <a:t>12</a:t>
             </a:fld>
             <a:endParaRPr lang="en-US" altLang="zh-CN" noProof="0" dirty="0"/>
           </a:p>
@@ -1569,7 +1570,7 @@
           <a:p>
             <a:fld id="{017105BD-6D6F-49DB-9DE4-D4A6452D7E5F}" type="slidenum">
               <a:rPr lang="en-US" altLang="zh-CN" noProof="0" smtClean="0"/>
-              <a:t>13</a:t>
+              <a:t>14</a:t>
             </a:fld>
             <a:endParaRPr lang="en-US" altLang="zh-CN" noProof="0" dirty="0"/>
           </a:p>
@@ -23705,6 +23706,179 @@
       </p:grpSpPr>
       <p:sp>
         <p:nvSpPr>
+          <p:cNvPr id="8" name="Title 7">
+            <a:extLst>
+              <a:ext uri="{FF2B5EF4-FFF2-40B4-BE49-F238E27FC236}">
+                <a16:creationId xmlns:a16="http://schemas.microsoft.com/office/drawing/2014/main" id="{44B03DE5-5A80-0135-7317-AD2A6BBF8F7F}"/>
+              </a:ext>
+            </a:extLst>
+          </p:cNvPr>
+          <p:cNvSpPr>
+            <a:spLocks noGrp="1"/>
+          </p:cNvSpPr>
+          <p:nvPr>
+            <p:ph type="title"/>
+          </p:nvPr>
+        </p:nvSpPr>
+        <p:spPr>
+          <a:xfrm>
+            <a:off x="651157" y="636766"/>
+            <a:ext cx="4718012" cy="2721895"/>
+          </a:xfrm>
+        </p:spPr>
+        <p:txBody>
+          <a:bodyPr/>
+          <a:lstStyle/>
+          <a:p>
+            <a:r>
+              <a:rPr lang="en-US" dirty="0"/>
+              <a:t>Machine Learning: Models</a:t>
+            </a:r>
+          </a:p>
+        </p:txBody>
+      </p:sp>
+      <p:pic>
+        <p:nvPicPr>
+          <p:cNvPr id="19" name="Picture 18">
+            <a:extLst>
+              <a:ext uri="{FF2B5EF4-FFF2-40B4-BE49-F238E27FC236}">
+                <a16:creationId xmlns:a16="http://schemas.microsoft.com/office/drawing/2014/main" id="{981C45CE-F3AA-C9FE-DC97-584DA27536FE}"/>
+              </a:ext>
+            </a:extLst>
+          </p:cNvPr>
+          <p:cNvPicPr>
+            <a:picLocks noChangeAspect="1"/>
+          </p:cNvPicPr>
+          <p:nvPr/>
+        </p:nvPicPr>
+        <p:blipFill>
+          <a:blip r:embed="rId2"/>
+          <a:srcRect/>
+          <a:stretch/>
+        </p:blipFill>
+        <p:spPr>
+          <a:xfrm>
+            <a:off x="5710805" y="1700252"/>
+            <a:ext cx="5830038" cy="4610986"/>
+          </a:xfrm>
+          <a:prstGeom prst="rect">
+            <a:avLst/>
+          </a:prstGeom>
+          <a:ln w="76200">
+            <a:solidFill>
+              <a:srgbClr val="AEC2D8"/>
+            </a:solidFill>
+          </a:ln>
+        </p:spPr>
+      </p:pic>
+      <p:sp>
+        <p:nvSpPr>
+          <p:cNvPr id="21" name="TextBox 20">
+            <a:extLst>
+              <a:ext uri="{FF2B5EF4-FFF2-40B4-BE49-F238E27FC236}">
+                <a16:creationId xmlns:a16="http://schemas.microsoft.com/office/drawing/2014/main" id="{53A82E33-1BBF-3C04-F1E7-6C4A5F1C13E7}"/>
+              </a:ext>
+            </a:extLst>
+          </p:cNvPr>
+          <p:cNvSpPr txBox="1"/>
+          <p:nvPr/>
+        </p:nvSpPr>
+        <p:spPr>
+          <a:xfrm>
+            <a:off x="2368732" y="2708365"/>
+            <a:ext cx="3342073" cy="2062103"/>
+          </a:xfrm>
+          <a:prstGeom prst="rect">
+            <a:avLst/>
+          </a:prstGeom>
+        </p:spPr>
+        <p:txBody>
+          <a:bodyPr wrap="square" rtlCol="0">
+            <a:spAutoFit/>
+          </a:bodyPr>
+          <a:lstStyle/>
+          <a:p>
+            <a:pPr marL="0" indent="0">
+              <a:lnSpc>
+                <a:spcPct val="100000"/>
+              </a:lnSpc>
+              <a:spcBef>
+                <a:spcPts val="0"/>
+              </a:spcBef>
+              <a:buFontTx/>
+              <a:buNone/>
+            </a:pPr>
+            <a:r>
+              <a:rPr lang="en-US" sz="1600" b="0" i="0" dirty="0">
+                <a:solidFill>
+                  <a:schemeClr val="bg1"/>
+                </a:solidFill>
+                <a:effectLst/>
+                <a:latin typeface="Söhne"/>
+              </a:rPr>
+              <a:t>The accuracy for that model was </a:t>
+            </a:r>
+            <a:br>
+              <a:rPr lang="en-US" sz="1600" dirty="0">
+                <a:solidFill>
+                  <a:schemeClr val="bg1"/>
+                </a:solidFill>
+                <a:latin typeface="Söhne"/>
+              </a:rPr>
+            </a:br>
+            <a:r>
+              <a:rPr lang="en-US" sz="1600" b="0" i="0" dirty="0">
+                <a:solidFill>
+                  <a:schemeClr val="bg1"/>
+                </a:solidFill>
+                <a:effectLst/>
+                <a:latin typeface="Söhne"/>
+              </a:rPr>
+              <a:t>approximately 71.88%. As for the precision, it reached 71.93%, and the recall score was 99.57%. When we used the random forest model, its accuracy level reached 73.26%. The precision level reached 75.96%, and the recall level reached 91.65%</a:t>
+            </a:r>
+            <a:endParaRPr lang="en-US" sz="1600" dirty="0">
+              <a:solidFill>
+                <a:schemeClr val="bg1"/>
+              </a:solidFill>
+              <a:latin typeface="Söhne"/>
+              <a:ea typeface="微软雅黑"/>
+              <a:cs typeface="Posterama" panose="020B0504020200020000" pitchFamily="34" charset="0"/>
+            </a:endParaRPr>
+          </a:p>
+        </p:txBody>
+      </p:sp>
+    </p:spTree>
+    <p:extLst>
+      <p:ext uri="{BB962C8B-B14F-4D97-AF65-F5344CB8AC3E}">
+        <p14:creationId xmlns:p14="http://schemas.microsoft.com/office/powerpoint/2010/main" val="2575478922"/>
+      </p:ext>
+    </p:extLst>
+  </p:cSld>
+  <p:clrMapOvr>
+    <a:masterClrMapping/>
+  </p:clrMapOvr>
+</p:sld>
+</file>
+
+<file path=ppt/slides/slide12.xml><?xml version="1.0" encoding="utf-8"?>
+<p:sld xmlns:a="http://schemas.openxmlformats.org/drawingml/2006/main" xmlns:r="http://schemas.openxmlformats.org/officeDocument/2006/relationships" xmlns:p="http://schemas.openxmlformats.org/presentationml/2006/main">
+  <p:cSld>
+    <p:spTree>
+      <p:nvGrpSpPr>
+        <p:cNvPr id="1" name=""/>
+        <p:cNvGrpSpPr/>
+        <p:nvPr/>
+      </p:nvGrpSpPr>
+      <p:grpSpPr>
+        <a:xfrm>
+          <a:off x="0" y="0"/>
+          <a:ext cx="0" cy="0"/>
+          <a:chOff x="0" y="0"/>
+          <a:chExt cx="0" cy="0"/>
+        </a:xfrm>
+      </p:grpSpPr>
+      <p:sp>
+        <p:nvSpPr>
           <p:cNvPr id="6" name="Title 5">
             <a:extLst>
               <a:ext uri="{FF2B5EF4-FFF2-40B4-BE49-F238E27FC236}">
@@ -24297,7 +24471,7 @@
                 <a:tabLst/>
                 <a:defRPr/>
               </a:pPr>
-              <a:t>11</a:t>
+              <a:t>12</a:t>
             </a:fld>
             <a:endParaRPr kumimoji="0" lang="en-US" altLang="zh-CN" sz="1200" u="none" strike="noStrike" kern="1200" cap="none" spc="0" normalizeH="0" baseline="0" dirty="0">
               <a:ln>
@@ -24326,7 +24500,7 @@
 </p:sld>
 </file>
 
-<file path=ppt/slides/slide12.xml><?xml version="1.0" encoding="utf-8"?>
+<file path=ppt/slides/slide13.xml><?xml version="1.0" encoding="utf-8"?>
 <p:sld xmlns:a="http://schemas.openxmlformats.org/drawingml/2006/main" xmlns:r="http://schemas.openxmlformats.org/officeDocument/2006/relationships" xmlns:p="http://schemas.openxmlformats.org/presentationml/2006/main">
   <p:cSld>
     <p:bg>
@@ -24429,7 +24603,7 @@
 </p:sld>
 </file>
 
-<file path=ppt/slides/slide13.xml><?xml version="1.0" encoding="utf-8"?>
+<file path=ppt/slides/slide14.xml><?xml version="1.0" encoding="utf-8"?>
 <p:sld xmlns:a="http://schemas.openxmlformats.org/drawingml/2006/main" xmlns:r="http://schemas.openxmlformats.org/officeDocument/2006/relationships" xmlns:p="http://schemas.openxmlformats.org/presentationml/2006/main">
   <p:cSld>
     <p:spTree>
@@ -24688,7 +24862,7 @@
           <a:p>
             <a:r>
               <a:rPr lang="en-US" dirty="0"/>
-              <a:t>1. Introduction</a:t>
+              <a:t>Introduction</a:t>
             </a:r>
           </a:p>
         </p:txBody>
@@ -24716,7 +24890,7 @@
           <a:p>
             <a:r>
               <a:rPr lang="en-US" dirty="0"/>
-              <a:t>2. Default Factors </a:t>
+              <a:t>Default Factors </a:t>
             </a:r>
           </a:p>
         </p:txBody>
@@ -24744,7 +24918,7 @@
           <a:p>
             <a:r>
               <a:rPr lang="en-US" dirty="0"/>
-              <a:t>3. Machine Learning</a:t>
+              <a:t>Machine Learning</a:t>
             </a:r>
           </a:p>
         </p:txBody>
@@ -24772,7 +24946,7 @@
           <a:p>
             <a:r>
               <a:rPr lang="en-US" dirty="0"/>
-              <a:t>4. Summary</a:t>
+              <a:t>Summary</a:t>
             </a:r>
           </a:p>
         </p:txBody>
@@ -24800,7 +24974,7 @@
           <a:p>
             <a:r>
               <a:rPr lang="en-US" dirty="0"/>
-              <a:t>5. Conclusion</a:t>
+              <a:t>Conclusion</a:t>
             </a:r>
           </a:p>
         </p:txBody>
@@ -26936,8 +27110,8 @@
           <a:chExt cx="0" cy="0"/>
         </a:xfrm>
       </p:grpSpPr>
-      <mc:AlternateContent xmlns:mc="http://schemas.openxmlformats.org/markup-compatibility/2006" xmlns:we="http://schemas.microsoft.com/office/webextensions/webextension/2010/11" xmlns:pca="http://schemas.microsoft.com/office/powerpoint/2013/contentapp">
-        <mc:Choice Requires="we pca">
+      <mc:AlternateContent xmlns:mc="http://schemas.openxmlformats.org/markup-compatibility/2006">
+        <mc:Choice xmlns:we="http://schemas.microsoft.com/office/webextensions/webextension/2010/11" xmlns:pca="http://schemas.microsoft.com/office/powerpoint/2013/contentapp" Requires="we pca">
           <p:graphicFrame>
             <p:nvGraphicFramePr>
               <p:cNvPr id="8" name="Add-in 7">
@@ -26969,7 +27143,7 @@
             </a:graphic>
           </p:graphicFrame>
         </mc:Choice>
-        <mc:Fallback xmlns="">
+        <mc:Fallback>
           <p:pic>
             <p:nvPicPr>
               <p:cNvPr id="8" name="Add-in 7">
@@ -28195,35 +28369,6 @@
 </file>
 
 <file path=customXml/item1.xml><?xml version="1.0" encoding="utf-8"?>
-<p:properties xmlns:p="http://schemas.microsoft.com/office/2006/metadata/properties" xmlns:xsi="http://www.w3.org/2001/XMLSchema-instance" xmlns:pc="http://schemas.microsoft.com/office/infopath/2007/PartnerControls">
-  <documentManagement>
-    <_ip_UnifiedCompliancePolicyUIAction xmlns="http://schemas.microsoft.com/sharepoint/v3" xsi:nil="true"/>
-    <Image xmlns="71af3243-3dd4-4a8d-8c0d-dd76da1f02a5">
-      <Url xsi:nil="true"/>
-      <Description xsi:nil="true"/>
-    </Image>
-    <Status xmlns="71af3243-3dd4-4a8d-8c0d-dd76da1f02a5">Not started</Status>
-    <Background xmlns="71af3243-3dd4-4a8d-8c0d-dd76da1f02a5">false</Background>
-    <_ip_UnifiedCompliancePolicyProperties xmlns="http://schemas.microsoft.com/sharepoint/v3" xsi:nil="true"/>
-    <ImageTagsTaxHTField xmlns="71af3243-3dd4-4a8d-8c0d-dd76da1f02a5">
-      <Terms xmlns="http://schemas.microsoft.com/office/infopath/2007/PartnerControls"/>
-    </ImageTagsTaxHTField>
-    <TaxCatchAll xmlns="230e9df3-be65-4c73-a93b-d1236ebd677e" xsi:nil="true"/>
-    <MediaServiceKeyPoints xmlns="71af3243-3dd4-4a8d-8c0d-dd76da1f02a5" xsi:nil="true"/>
-  </documentManagement>
-</p:properties>
-</file>
-
-<file path=customXml/item2.xml><?xml version="1.0" encoding="utf-8"?>
-<?mso-contentType ?>
-<FormTemplates xmlns="http://schemas.microsoft.com/sharepoint/v3/contenttype/forms">
-  <Display>DocumentLibraryForm</Display>
-  <Edit>DocumentLibraryForm</Edit>
-  <New>DocumentLibraryForm</New>
-</FormTemplates>
-</file>
-
-<file path=customXml/item3.xml><?xml version="1.0" encoding="utf-8"?>
 <ct:contentTypeSchema xmlns:ct="http://schemas.microsoft.com/office/2006/metadata/contentType" xmlns:ma="http://schemas.microsoft.com/office/2006/metadata/properties/metaAttributes" ct:_="" ma:_="" ma:contentTypeName="Document" ma:contentTypeID="0x01010079F111ED35F8CC479449609E8A0923A6" ma:contentTypeVersion="28" ma:contentTypeDescription="Create a new document." ma:contentTypeScope="" ma:versionID="60f5a4f2d2b0abadcf532d48ebf9cb71">
   <xsd:schema xmlns:xsd="http://www.w3.org/2001/XMLSchema" xmlns:xs="http://www.w3.org/2001/XMLSchema" xmlns:p="http://schemas.microsoft.com/office/2006/metadata/properties" xmlns:ns1="http://schemas.microsoft.com/sharepoint/v3" xmlns:ns2="71af3243-3dd4-4a8d-8c0d-dd76da1f02a5" xmlns:ns3="16c05727-aa75-4e4a-9b5f-8a80a1165891" xmlns:ns4="230e9df3-be65-4c73-a93b-d1236ebd677e" targetNamespace="http://schemas.microsoft.com/office/2006/metadata/properties" ma:root="true" ma:fieldsID="7dd78129e6a1811f84807ad11c651531" ns1:_="" ns2:_="" ns3:_="" ns4:_="">
     <xsd:import namespace="http://schemas.microsoft.com/sharepoint/v3"/>
@@ -28535,27 +28680,36 @@
 </ct:contentTypeSchema>
 </file>
 
-<file path=customXml/itemProps1.xml><?xml version="1.0" encoding="utf-8"?>
-<ds:datastoreItem xmlns:ds="http://schemas.openxmlformats.org/officeDocument/2006/customXml" ds:itemID="{F4D5854E-F453-4846-A87D-6EF3DCF73E3E}">
-  <ds:schemaRefs>
-    <ds:schemaRef ds:uri="http://schemas.microsoft.com/office/2006/metadata/properties"/>
-    <ds:schemaRef ds:uri="http://schemas.microsoft.com/office/infopath/2007/PartnerControls"/>
-    <ds:schemaRef ds:uri="http://schemas.microsoft.com/sharepoint/v3"/>
-    <ds:schemaRef ds:uri="71af3243-3dd4-4a8d-8c0d-dd76da1f02a5"/>
-    <ds:schemaRef ds:uri="230e9df3-be65-4c73-a93b-d1236ebd677e"/>
-  </ds:schemaRefs>
-</ds:datastoreItem>
+<file path=customXml/item2.xml><?xml version="1.0" encoding="utf-8"?>
+<?mso-contentType ?>
+<FormTemplates xmlns="http://schemas.microsoft.com/sharepoint/v3/contenttype/forms">
+  <Display>DocumentLibraryForm</Display>
+  <Edit>DocumentLibraryForm</Edit>
+  <New>DocumentLibraryForm</New>
+</FormTemplates>
 </file>
 
-<file path=customXml/itemProps2.xml><?xml version="1.0" encoding="utf-8"?>
-<ds:datastoreItem xmlns:ds="http://schemas.openxmlformats.org/officeDocument/2006/customXml" ds:itemID="{F8C25491-3B09-4F3E-8C86-936D290E4013}">
-  <ds:schemaRefs>
-    <ds:schemaRef ds:uri="http://schemas.microsoft.com/sharepoint/v3/contenttype/forms"/>
-  </ds:schemaRefs>
-</ds:datastoreItem>
+<file path=customXml/item3.xml><?xml version="1.0" encoding="utf-8"?>
+<p:properties xmlns:p="http://schemas.microsoft.com/office/2006/metadata/properties" xmlns:xsi="http://www.w3.org/2001/XMLSchema-instance" xmlns:pc="http://schemas.microsoft.com/office/infopath/2007/PartnerControls">
+  <documentManagement>
+    <_ip_UnifiedCompliancePolicyUIAction xmlns="http://schemas.microsoft.com/sharepoint/v3" xsi:nil="true"/>
+    <Image xmlns="71af3243-3dd4-4a8d-8c0d-dd76da1f02a5">
+      <Url xsi:nil="true"/>
+      <Description xsi:nil="true"/>
+    </Image>
+    <Status xmlns="71af3243-3dd4-4a8d-8c0d-dd76da1f02a5">Not started</Status>
+    <Background xmlns="71af3243-3dd4-4a8d-8c0d-dd76da1f02a5">false</Background>
+    <_ip_UnifiedCompliancePolicyProperties xmlns="http://schemas.microsoft.com/sharepoint/v3" xsi:nil="true"/>
+    <ImageTagsTaxHTField xmlns="71af3243-3dd4-4a8d-8c0d-dd76da1f02a5">
+      <Terms xmlns="http://schemas.microsoft.com/office/infopath/2007/PartnerControls"/>
+    </ImageTagsTaxHTField>
+    <TaxCatchAll xmlns="230e9df3-be65-4c73-a93b-d1236ebd677e" xsi:nil="true"/>
+    <MediaServiceKeyPoints xmlns="71af3243-3dd4-4a8d-8c0d-dd76da1f02a5" xsi:nil="true"/>
+  </documentManagement>
+</p:properties>
 </file>
 
-<file path=customXml/itemProps3.xml><?xml version="1.0" encoding="utf-8"?>
+<file path=customXml/itemProps1.xml><?xml version="1.0" encoding="utf-8"?>
 <ds:datastoreItem xmlns:ds="http://schemas.openxmlformats.org/officeDocument/2006/customXml" ds:itemID="{337AE0CD-4570-4F66-89CD-DDD19F091E8D}">
   <ds:schemaRefs>
     <ds:schemaRef ds:uri="http://schemas.microsoft.com/office/2006/metadata/contentType"/>
@@ -28576,6 +28730,26 @@
 </ds:datastoreItem>
 </file>
 
+<file path=customXml/itemProps2.xml><?xml version="1.0" encoding="utf-8"?>
+<ds:datastoreItem xmlns:ds="http://schemas.openxmlformats.org/officeDocument/2006/customXml" ds:itemID="{F8C25491-3B09-4F3E-8C86-936D290E4013}">
+  <ds:schemaRefs>
+    <ds:schemaRef ds:uri="http://schemas.microsoft.com/sharepoint/v3/contenttype/forms"/>
+  </ds:schemaRefs>
+</ds:datastoreItem>
+</file>
+
+<file path=customXml/itemProps3.xml><?xml version="1.0" encoding="utf-8"?>
+<ds:datastoreItem xmlns:ds="http://schemas.openxmlformats.org/officeDocument/2006/customXml" ds:itemID="{F4D5854E-F453-4846-A87D-6EF3DCF73E3E}">
+  <ds:schemaRefs>
+    <ds:schemaRef ds:uri="http://schemas.microsoft.com/office/2006/metadata/properties"/>
+    <ds:schemaRef ds:uri="http://schemas.microsoft.com/office/infopath/2007/PartnerControls"/>
+    <ds:schemaRef ds:uri="http://schemas.microsoft.com/sharepoint/v3"/>
+    <ds:schemaRef ds:uri="71af3243-3dd4-4a8d-8c0d-dd76da1f02a5"/>
+    <ds:schemaRef ds:uri="230e9df3-be65-4c73-a93b-d1236ebd677e"/>
+  </ds:schemaRefs>
+</ds:datastoreItem>
+</file>
+
 <file path=docMetadata/LabelInfo.xml><?xml version="1.0" encoding="utf-8"?>
 <clbl:labelList xmlns:clbl="http://schemas.microsoft.com/office/2020/mipLabelMetadata"/>
 </file>